--- a/spring_2022/Reflections_2022.pptx
+++ b/spring_2022/Reflections_2022.pptx
@@ -8244,9 +8244,58 @@
               <a:rPr lang="en-US" dirty="0">
                 <a:hlinkClick r:id="rId2"/>
               </a:rPr>
-              <a:t>Detailed Syllabus</a:t>
+              <a:t>New Syllabus</a:t>
             </a:r>
             <a:endParaRPr lang="en-US" dirty="0"/>
+          </a:p>
+        </p:txBody>
+      </p:sp>
+      <p:sp>
+        <p:nvSpPr>
+          <p:cNvPr id="3" name="Content Placeholder 2">
+            <a:extLst>
+              <a:ext uri="{FF2B5EF4-FFF2-40B4-BE49-F238E27FC236}">
+                <a16:creationId xmlns:a16="http://schemas.microsoft.com/office/drawing/2014/main" id="{0B43798B-2263-0278-1A3B-FCD940C6B747}"/>
+              </a:ext>
+            </a:extLst>
+          </p:cNvPr>
+          <p:cNvSpPr>
+            <a:spLocks noGrp="1"/>
+          </p:cNvSpPr>
+          <p:nvPr>
+            <p:ph idx="1"/>
+          </p:nvPr>
+        </p:nvSpPr>
+        <p:spPr/>
+        <p:txBody>
+          <a:bodyPr/>
+          <a:lstStyle/>
+          <a:p>
+            <a:pPr marL="0" indent="0">
+              <a:buNone/>
+            </a:pPr>
+            <a:r>
+              <a:rPr lang="en-US" b="1" dirty="0"/>
+              <a:t>Changes from 2022</a:t>
+            </a:r>
+          </a:p>
+          <a:p>
+            <a:r>
+              <a:rPr lang="en-US" dirty="0"/>
+              <a:t>Do control design early on, without theory</a:t>
+            </a:r>
+          </a:p>
+          <a:p>
+            <a:r>
+              <a:rPr lang="en-US" dirty="0"/>
+              <a:t>Only transfer function analysis: step response, poles</a:t>
+            </a:r>
+          </a:p>
+          <a:p>
+            <a:r>
+              <a:rPr lang="en-US" dirty="0"/>
+              <a:t>More on filter design to address noise, disturbances</a:t>
+            </a:r>
           </a:p>
         </p:txBody>
       </p:sp>

--- a/spring_2022/Reflections_2022.pptx
+++ b/spring_2022/Reflections_2022.pptx
@@ -5149,109 +5149,26 @@
       </p:sp>
       <p:sp>
         <p:nvSpPr>
-          <p:cNvPr id="97" name="Google Shape;97;p1"/>
-          <p:cNvSpPr txBox="1">
+          <p:cNvPr id="3" name="Subtitle 2">
+            <a:extLst>
+              <a:ext uri="{FF2B5EF4-FFF2-40B4-BE49-F238E27FC236}">
+                <a16:creationId xmlns:a16="http://schemas.microsoft.com/office/drawing/2014/main" id="{A64BE1E7-C9F3-4251-B659-364D66C8A235}"/>
+              </a:ext>
+            </a:extLst>
+          </p:cNvPr>
+          <p:cNvSpPr>
             <a:spLocks noGrp="1"/>
           </p:cNvSpPr>
           <p:nvPr>
             <p:ph type="subTitle" idx="1"/>
           </p:nvPr>
         </p:nvSpPr>
-        <p:spPr>
-          <a:xfrm>
-            <a:off x="381000" y="3611071"/>
-            <a:ext cx="8382000" cy="2239471"/>
-          </a:xfrm>
-          <a:prstGeom prst="rect">
-            <a:avLst/>
-          </a:prstGeom>
-          <a:noFill/>
-          <a:ln>
-            <a:noFill/>
-          </a:ln>
-        </p:spPr>
+        <p:spPr/>
         <p:txBody>
-          <a:bodyPr spcFirstLastPara="1" wrap="square" lIns="91425" tIns="45700" rIns="91425" bIns="45700" anchor="t" anchorCtr="0">
-            <a:noAutofit/>
-          </a:bodyPr>
+          <a:bodyPr/>
           <a:lstStyle/>
           <a:p>
-            <a:pPr marL="0" lvl="0" indent="0" algn="ctr" rtl="0">
-              <a:spcBef>
-                <a:spcPts val="0"/>
-              </a:spcBef>
-              <a:spcAft>
-                <a:spcPts val="0"/>
-              </a:spcAft>
-              <a:buClr>
-                <a:srgbClr val="FFFFFF"/>
-              </a:buClr>
-              <a:buSzPts val="3200"/>
-              <a:buNone/>
-            </a:pPr>
-            <a:r>
-              <a:rPr lang="en-US" dirty="0"/>
-              <a:t>Joseph L. Hellerstein</a:t>
-            </a:r>
-          </a:p>
-          <a:p>
-            <a:pPr marL="0" lvl="0" indent="0" algn="ctr" rtl="0">
-              <a:spcBef>
-                <a:spcPts val="560"/>
-              </a:spcBef>
-              <a:spcAft>
-                <a:spcPts val="0"/>
-              </a:spcAft>
-              <a:buClr>
-                <a:srgbClr val="FFFFFF"/>
-              </a:buClr>
-              <a:buSzPts val="2800"/>
-              <a:buNone/>
-            </a:pPr>
-            <a:r>
-              <a:rPr lang="en-US" sz="2800" dirty="0"/>
-              <a:t>eScience Institute, Computer Science &amp; Engineering</a:t>
-            </a:r>
-            <a:endParaRPr dirty="0"/>
-          </a:p>
-          <a:p>
-            <a:pPr marL="0" lvl="0" indent="0" algn="ctr" rtl="0">
-              <a:spcBef>
-                <a:spcPts val="560"/>
-              </a:spcBef>
-              <a:spcAft>
-                <a:spcPts val="0"/>
-              </a:spcAft>
-              <a:buClr>
-                <a:srgbClr val="FFFFFF"/>
-              </a:buClr>
-              <a:buSzPts val="2800"/>
-              <a:buNone/>
-            </a:pPr>
-            <a:r>
-              <a:rPr lang="en-US" sz="2800" dirty="0"/>
-              <a:t>Allen School of Computer Science</a:t>
-            </a:r>
-          </a:p>
-          <a:p>
-            <a:pPr marL="0" lvl="0" indent="0" algn="ctr" rtl="0">
-              <a:spcBef>
-                <a:spcPts val="560"/>
-              </a:spcBef>
-              <a:spcAft>
-                <a:spcPts val="0"/>
-              </a:spcAft>
-              <a:buClr>
-                <a:srgbClr val="FFFFFF"/>
-              </a:buClr>
-              <a:buSzPts val="2800"/>
-              <a:buNone/>
-            </a:pPr>
-            <a:r>
-              <a:rPr lang="en-US" sz="2800" dirty="0" err="1"/>
-              <a:t>BioEngineering</a:t>
-            </a:r>
-            <a:endParaRPr sz="2800" dirty="0"/>
+            <a:endParaRPr lang="en-US"/>
           </a:p>
         </p:txBody>
       </p:sp>
@@ -5333,54 +5250,63 @@
               <a:buNone/>
             </a:pPr>
             <a:r>
-              <a:rPr lang="en-US" dirty="0"/>
-              <a:t>Main objective: Learn how to design a controller for a moderately complicated biochemical network.</a:t>
-            </a:r>
-          </a:p>
-          <a:p>
-            <a:r>
-              <a:rPr lang="en-US" dirty="0"/>
+              <a:rPr lang="en-US" sz="2400" dirty="0"/>
+              <a:t>Theme: Learn how to design a controller for moderately complicated SBML models.</a:t>
+            </a:r>
+          </a:p>
+          <a:p>
+            <a:r>
+              <a:rPr lang="en-US" sz="2400" dirty="0"/>
               <a:t>Evaluate controllability and observability for MIMO systems</a:t>
             </a:r>
           </a:p>
           <a:p>
             <a:pPr lvl="1"/>
             <a:r>
-              <a:rPr lang="en-US" dirty="0"/>
-              <a:t>Controllability matrix, </a:t>
-            </a:r>
-            <a:r>
-              <a:rPr lang="en-US" dirty="0" err="1"/>
-              <a:t>gramians</a:t>
-            </a:r>
-            <a:endParaRPr lang="en-US" dirty="0"/>
-          </a:p>
-          <a:p>
-            <a:r>
-              <a:rPr lang="en-US" dirty="0"/>
+              <a:rPr lang="en-US" sz="2000" dirty="0"/>
+              <a:t>Controllability matrix, observability </a:t>
+            </a:r>
+            <a:r>
+              <a:rPr lang="en-US" sz="2000"/>
+              <a:t>matrix, gramians</a:t>
+            </a:r>
+            <a:endParaRPr lang="en-US" sz="2000" dirty="0"/>
+          </a:p>
+          <a:p>
+            <a:r>
+              <a:rPr lang="en-US" sz="2400" dirty="0"/>
               <a:t>Pole placement design</a:t>
             </a:r>
           </a:p>
           <a:p>
             <a:r>
-              <a:rPr lang="en-US" dirty="0"/>
+              <a:rPr lang="en-US" sz="2400" dirty="0"/>
               <a:t>Model predictive control</a:t>
             </a:r>
-          </a:p>
-          <a:p>
-            <a:endParaRPr lang="en-US" dirty="0"/>
           </a:p>
           <a:p>
             <a:pPr marL="0" indent="0">
               <a:buNone/>
             </a:pPr>
-            <a:r>
-              <a:rPr lang="en-US" dirty="0"/>
+            <a:endParaRPr lang="en-US" sz="2400" dirty="0"/>
+          </a:p>
+          <a:p>
+            <a:pPr marL="0" indent="0">
+              <a:buNone/>
+            </a:pPr>
+            <a:r>
+              <a:rPr lang="en-US" sz="2400" dirty="0"/>
               <a:t>Issue: Students lacked depth in linear algebra</a:t>
             </a:r>
           </a:p>
           <a:p>
-            <a:endParaRPr lang="en-US" dirty="0"/>
+            <a:r>
+              <a:rPr lang="en-US" sz="2400" dirty="0"/>
+              <a:t>matrix transformations (column space, row space, null space) matrix diagonalizations, matrix exponential</a:t>
+            </a:r>
+          </a:p>
+          <a:p>
+            <a:endParaRPr lang="en-US" sz="2400" dirty="0"/>
           </a:p>
         </p:txBody>
       </p:sp>
@@ -5429,6 +5355,276 @@
   <p:clrMapOvr>
     <a:masterClrMapping/>
   </p:clrMapOvr>
+  <p:timing>
+    <p:tnLst>
+      <p:par>
+        <p:cTn id="1" dur="indefinite" restart="never" nodeType="tmRoot">
+          <p:childTnLst>
+            <p:seq concurrent="1" nextAc="seek">
+              <p:cTn id="2" dur="indefinite" nodeType="mainSeq">
+                <p:childTnLst>
+                  <p:par>
+                    <p:cTn id="3" fill="hold">
+                      <p:stCondLst>
+                        <p:cond delay="indefinite"/>
+                      </p:stCondLst>
+                      <p:childTnLst>
+                        <p:par>
+                          <p:cTn id="4" fill="hold">
+                            <p:stCondLst>
+                              <p:cond delay="0"/>
+                            </p:stCondLst>
+                            <p:childTnLst>
+                              <p:par>
+                                <p:cTn id="5" presetID="1" presetClass="entr" presetSubtype="0" fill="hold" nodeType="clickEffect">
+                                  <p:stCondLst>
+                                    <p:cond delay="0"/>
+                                  </p:stCondLst>
+                                  <p:childTnLst>
+                                    <p:set>
+                                      <p:cBhvr>
+                                        <p:cTn id="6" dur="1" fill="hold">
+                                          <p:stCondLst>
+                                            <p:cond delay="0"/>
+                                          </p:stCondLst>
+                                        </p:cTn>
+                                        <p:tgtEl>
+                                          <p:spTgt spid="3">
+                                            <p:txEl>
+                                              <p:pRg st="1" end="1"/>
+                                            </p:txEl>
+                                          </p:spTgt>
+                                        </p:tgtEl>
+                                        <p:attrNameLst>
+                                          <p:attrName>style.visibility</p:attrName>
+                                        </p:attrNameLst>
+                                      </p:cBhvr>
+                                      <p:to>
+                                        <p:strVal val="visible"/>
+                                      </p:to>
+                                    </p:set>
+                                  </p:childTnLst>
+                                </p:cTn>
+                              </p:par>
+                              <p:par>
+                                <p:cTn id="7" presetID="1" presetClass="entr" presetSubtype="0" fill="hold" nodeType="withEffect">
+                                  <p:stCondLst>
+                                    <p:cond delay="0"/>
+                                  </p:stCondLst>
+                                  <p:childTnLst>
+                                    <p:set>
+                                      <p:cBhvr>
+                                        <p:cTn id="8" dur="1" fill="hold">
+                                          <p:stCondLst>
+                                            <p:cond delay="0"/>
+                                          </p:stCondLst>
+                                        </p:cTn>
+                                        <p:tgtEl>
+                                          <p:spTgt spid="3">
+                                            <p:txEl>
+                                              <p:pRg st="2" end="2"/>
+                                            </p:txEl>
+                                          </p:spTgt>
+                                        </p:tgtEl>
+                                        <p:attrNameLst>
+                                          <p:attrName>style.visibility</p:attrName>
+                                        </p:attrNameLst>
+                                      </p:cBhvr>
+                                      <p:to>
+                                        <p:strVal val="visible"/>
+                                      </p:to>
+                                    </p:set>
+                                  </p:childTnLst>
+                                </p:cTn>
+                              </p:par>
+                              <p:par>
+                                <p:cTn id="9" presetID="1" presetClass="entr" presetSubtype="0" fill="hold" nodeType="withEffect">
+                                  <p:stCondLst>
+                                    <p:cond delay="0"/>
+                                  </p:stCondLst>
+                                  <p:childTnLst>
+                                    <p:set>
+                                      <p:cBhvr>
+                                        <p:cTn id="10" dur="1" fill="hold">
+                                          <p:stCondLst>
+                                            <p:cond delay="0"/>
+                                          </p:stCondLst>
+                                        </p:cTn>
+                                        <p:tgtEl>
+                                          <p:spTgt spid="3">
+                                            <p:txEl>
+                                              <p:pRg st="3" end="3"/>
+                                            </p:txEl>
+                                          </p:spTgt>
+                                        </p:tgtEl>
+                                        <p:attrNameLst>
+                                          <p:attrName>style.visibility</p:attrName>
+                                        </p:attrNameLst>
+                                      </p:cBhvr>
+                                      <p:to>
+                                        <p:strVal val="visible"/>
+                                      </p:to>
+                                    </p:set>
+                                  </p:childTnLst>
+                                </p:cTn>
+                              </p:par>
+                              <p:par>
+                                <p:cTn id="11" presetID="1" presetClass="entr" presetSubtype="0" fill="hold" nodeType="withEffect">
+                                  <p:stCondLst>
+                                    <p:cond delay="0"/>
+                                  </p:stCondLst>
+                                  <p:childTnLst>
+                                    <p:set>
+                                      <p:cBhvr>
+                                        <p:cTn id="12" dur="1" fill="hold">
+                                          <p:stCondLst>
+                                            <p:cond delay="0"/>
+                                          </p:stCondLst>
+                                        </p:cTn>
+                                        <p:tgtEl>
+                                          <p:spTgt spid="3">
+                                            <p:txEl>
+                                              <p:pRg st="4" end="4"/>
+                                            </p:txEl>
+                                          </p:spTgt>
+                                        </p:tgtEl>
+                                        <p:attrNameLst>
+                                          <p:attrName>style.visibility</p:attrName>
+                                        </p:attrNameLst>
+                                      </p:cBhvr>
+                                      <p:to>
+                                        <p:strVal val="visible"/>
+                                      </p:to>
+                                    </p:set>
+                                  </p:childTnLst>
+                                </p:cTn>
+                              </p:par>
+                            </p:childTnLst>
+                          </p:cTn>
+                        </p:par>
+                      </p:childTnLst>
+                    </p:cTn>
+                  </p:par>
+                  <p:par>
+                    <p:cTn id="13" fill="hold">
+                      <p:stCondLst>
+                        <p:cond delay="indefinite"/>
+                      </p:stCondLst>
+                      <p:childTnLst>
+                        <p:par>
+                          <p:cTn id="14" fill="hold">
+                            <p:stCondLst>
+                              <p:cond delay="0"/>
+                            </p:stCondLst>
+                            <p:childTnLst>
+                              <p:par>
+                                <p:cTn id="15" presetID="1" presetClass="entr" presetSubtype="0" fill="hold" nodeType="clickEffect">
+                                  <p:stCondLst>
+                                    <p:cond delay="0"/>
+                                  </p:stCondLst>
+                                  <p:childTnLst>
+                                    <p:set>
+                                      <p:cBhvr>
+                                        <p:cTn id="16" dur="1" fill="hold">
+                                          <p:stCondLst>
+                                            <p:cond delay="0"/>
+                                          </p:stCondLst>
+                                        </p:cTn>
+                                        <p:tgtEl>
+                                          <p:spTgt spid="3">
+                                            <p:txEl>
+                                              <p:pRg st="6" end="6"/>
+                                            </p:txEl>
+                                          </p:spTgt>
+                                        </p:tgtEl>
+                                        <p:attrNameLst>
+                                          <p:attrName>style.visibility</p:attrName>
+                                        </p:attrNameLst>
+                                      </p:cBhvr>
+                                      <p:to>
+                                        <p:strVal val="visible"/>
+                                      </p:to>
+                                    </p:set>
+                                  </p:childTnLst>
+                                </p:cTn>
+                              </p:par>
+                            </p:childTnLst>
+                          </p:cTn>
+                        </p:par>
+                      </p:childTnLst>
+                    </p:cTn>
+                  </p:par>
+                  <p:par>
+                    <p:cTn id="17" fill="hold">
+                      <p:stCondLst>
+                        <p:cond delay="indefinite"/>
+                      </p:stCondLst>
+                      <p:childTnLst>
+                        <p:par>
+                          <p:cTn id="18" fill="hold">
+                            <p:stCondLst>
+                              <p:cond delay="0"/>
+                            </p:stCondLst>
+                            <p:childTnLst>
+                              <p:par>
+                                <p:cTn id="19" presetID="1" presetClass="entr" presetSubtype="0" fill="hold" nodeType="clickEffect">
+                                  <p:stCondLst>
+                                    <p:cond delay="0"/>
+                                  </p:stCondLst>
+                                  <p:childTnLst>
+                                    <p:set>
+                                      <p:cBhvr>
+                                        <p:cTn id="20" dur="1" fill="hold">
+                                          <p:stCondLst>
+                                            <p:cond delay="0"/>
+                                          </p:stCondLst>
+                                        </p:cTn>
+                                        <p:tgtEl>
+                                          <p:spTgt spid="3">
+                                            <p:txEl>
+                                              <p:pRg st="7" end="7"/>
+                                            </p:txEl>
+                                          </p:spTgt>
+                                        </p:tgtEl>
+                                        <p:attrNameLst>
+                                          <p:attrName>style.visibility</p:attrName>
+                                        </p:attrNameLst>
+                                      </p:cBhvr>
+                                      <p:to>
+                                        <p:strVal val="visible"/>
+                                      </p:to>
+                                    </p:set>
+                                  </p:childTnLst>
+                                </p:cTn>
+                              </p:par>
+                            </p:childTnLst>
+                          </p:cTn>
+                        </p:par>
+                      </p:childTnLst>
+                    </p:cTn>
+                  </p:par>
+                </p:childTnLst>
+              </p:cTn>
+              <p:prevCondLst>
+                <p:cond evt="onPrev" delay="0">
+                  <p:tgtEl>
+                    <p:sldTgt/>
+                  </p:tgtEl>
+                </p:cond>
+              </p:prevCondLst>
+              <p:nextCondLst>
+                <p:cond evt="onNext" delay="0">
+                  <p:tgtEl>
+                    <p:sldTgt/>
+                  </p:tgtEl>
+                </p:cond>
+              </p:nextCondLst>
+            </p:seq>
+          </p:childTnLst>
+        </p:cTn>
+      </p:par>
+    </p:tnLst>
+  </p:timing>
 </p:sld>
 </file>
 
